--- a/Performance_Metric.pptx
+++ b/Performance_Metric.pptx
@@ -113,6 +113,11 @@
       </a:defRPr>
     </a:lvl9pPr>
   </p:defaultTextStyle>
+  <p:extLst>
+    <p:ext uri="{EFAFB233-063F-42B5-8137-9DF3F51BA10A}">
+      <p15:sldGuideLst xmlns:p15="http://schemas.microsoft.com/office/powerpoint/2012/main"/>
+    </p:ext>
+  </p:extLst>
 </p:presentation>
 </file>
 
@@ -3890,7 +3895,7 @@
           <a:graphicData uri="http://schemas.openxmlformats.org/presentationml/2006/ole">
             <mc:AlternateContent xmlns:mc="http://schemas.openxmlformats.org/markup-compatibility/2006">
               <mc:Choice xmlns:v="urn:schemas-microsoft-com:vml" Requires="v">
-                <p:oleObj spid="_x0000_s1032" name="Wordpad Document" r:id="rId3" imgW="3657600" imgH="181440" progId="WordPad.Document.1">
+                <p:oleObj spid="_x0000_s1040" name="Wordpad Document" r:id="rId3" imgW="3657600" imgH="181440" progId="WordPad.Document.1">
                   <p:embed/>
                 </p:oleObj>
               </mc:Choice>
@@ -3925,23 +3930,67 @@
           </a:graphicData>
         </a:graphic>
       </p:graphicFrame>
+      <p:sp>
+        <p:nvSpPr>
+          <p:cNvPr id="4" name="TextBox 3"/>
+          <p:cNvSpPr txBox="1"/>
+          <p:nvPr/>
+        </p:nvSpPr>
+        <p:spPr>
+          <a:xfrm>
+            <a:off x="154546" y="309093"/>
+            <a:ext cx="2537139" cy="461665"/>
+          </a:xfrm>
+          <a:prstGeom prst="rect">
+            <a:avLst/>
+          </a:prstGeom>
+          <a:noFill/>
+        </p:spPr>
+        <p:txBody>
+          <a:bodyPr wrap="square" rtlCol="0">
+            <a:spAutoFit/>
+          </a:bodyPr>
+          <a:lstStyle/>
+          <a:p>
+            <a:r>
+              <a:rPr lang="en-US" sz="2400" b="1" dirty="0">
+                <a:latin typeface="Calibri Light" panose="020F0302020204030204" pitchFamily="34" charset="0"/>
+                <a:cs typeface="Calibri Light" panose="020F0302020204030204" pitchFamily="34" charset="0"/>
+              </a:rPr>
+              <a:t>BPMN Engine</a:t>
+            </a:r>
+          </a:p>
+        </p:txBody>
+      </p:sp>
       <p:graphicFrame>
         <p:nvGraphicFramePr>
-          <p:cNvPr id="7" name="Object 6"/>
+          <p:cNvPr id="8" name="Object 7">
+            <a:extLst>
+              <a:ext uri="{FF2B5EF4-FFF2-40B4-BE49-F238E27FC236}">
+                <a16:creationId xmlns:a16="http://schemas.microsoft.com/office/drawing/2014/main" id="{8AB24319-5FAE-407A-B35D-ACCDB5F243A8}"/>
+              </a:ext>
+            </a:extLst>
+          </p:cNvPr>
           <p:cNvGraphicFramePr>
             <a:graphicFrameLocks noChangeAspect="1"/>
           </p:cNvGraphicFramePr>
-          <p:nvPr/>
+          <p:nvPr>
+            <p:extLst>
+              <p:ext uri="{D42A27DB-BD31-4B8C-83A1-F6EECF244321}">
+                <p14:modId xmlns:p14="http://schemas.microsoft.com/office/powerpoint/2010/main" val="166679350"/>
+              </p:ext>
+            </p:extLst>
+          </p:nvPr>
         </p:nvGraphicFramePr>
         <p:xfrm>
-          <a:off x="307975" y="5492750"/>
-          <a:ext cx="1924050" cy="822325"/>
+          <a:off x="474662" y="5313051"/>
+          <a:ext cx="1844675" cy="695303"/>
         </p:xfrm>
         <a:graphic>
           <a:graphicData uri="http://schemas.openxmlformats.org/presentationml/2006/ole">
             <mc:AlternateContent xmlns:mc="http://schemas.openxmlformats.org/markup-compatibility/2006">
               <mc:Choice xmlns:v="urn:schemas-microsoft-com:vml" Requires="v">
-                <p:oleObj spid="_x0000_s1033" name="Packager Shell Object" showAsIcon="1" r:id="rId5" imgW="1186920" imgH="442800" progId="Package">
+                <p:oleObj spid="_x0000_s1041" name="Packager Shell Object" showAsIcon="1" r:id="rId5" imgW="1186920" imgH="442800" progId="Package">
                   <p:embed/>
                 </p:oleObj>
               </mc:Choice>
@@ -3950,7 +3999,7 @@
                   <p:embed/>
                   <p:pic>
                     <p:nvPicPr>
-                      <p:cNvPr id="7" name="Object 6"/>
+                      <p:cNvPr id="0" name=""/>
                       <p:cNvPicPr/>
                       <p:nvPr/>
                     </p:nvPicPr>
@@ -3962,8 +4011,8 @@
                     </p:blipFill>
                     <p:spPr>
                       <a:xfrm>
-                        <a:off x="307975" y="5492750"/>
-                        <a:ext cx="1924050" cy="822325"/>
+                        <a:off x="474662" y="5313051"/>
+                        <a:ext cx="1844675" cy="695303"/>
                       </a:xfrm>
                       <a:prstGeom prst="rect">
                         <a:avLst/>
@@ -3976,38 +4025,6 @@
           </a:graphicData>
         </a:graphic>
       </p:graphicFrame>
-      <p:sp>
-        <p:nvSpPr>
-          <p:cNvPr id="4" name="TextBox 3"/>
-          <p:cNvSpPr txBox="1"/>
-          <p:nvPr/>
-        </p:nvSpPr>
-        <p:spPr>
-          <a:xfrm>
-            <a:off x="154546" y="309093"/>
-            <a:ext cx="2537139" cy="461665"/>
-          </a:xfrm>
-          <a:prstGeom prst="rect">
-            <a:avLst/>
-          </a:prstGeom>
-          <a:noFill/>
-        </p:spPr>
-        <p:txBody>
-          <a:bodyPr wrap="square" rtlCol="0">
-            <a:spAutoFit/>
-          </a:bodyPr>
-          <a:lstStyle/>
-          <a:p>
-            <a:r>
-              <a:rPr lang="en-US" sz="2400" b="1" dirty="0">
-                <a:latin typeface="Calibri Light" panose="020F0302020204030204" pitchFamily="34" charset="0"/>
-                <a:cs typeface="Calibri Light" panose="020F0302020204030204" pitchFamily="34" charset="0"/>
-              </a:rPr>
-              <a:t>BPMN Engine</a:t>
-            </a:r>
-          </a:p>
-        </p:txBody>
-      </p:sp>
     </p:spTree>
     <p:extLst>
       <p:ext uri="{BB962C8B-B14F-4D97-AF65-F5344CB8AC3E}">

--- a/Performance_Metric.pptx
+++ b/Performance_Metric.pptx
@@ -268,7 +268,7 @@
           <a:p>
             <a:fld id="{CFFA1A03-D604-49D0-8A7E-93D80481DC6E}" type="datetimeFigureOut">
               <a:rPr lang="en-US" smtClean="0"/>
-              <a:t>7/30/2020</a:t>
+              <a:t>8/3/2020</a:t>
             </a:fld>
             <a:endParaRPr lang="en-US"/>
           </a:p>
@@ -466,7 +466,7 @@
           <a:p>
             <a:fld id="{CFFA1A03-D604-49D0-8A7E-93D80481DC6E}" type="datetimeFigureOut">
               <a:rPr lang="en-US" smtClean="0"/>
-              <a:t>7/30/2020</a:t>
+              <a:t>8/3/2020</a:t>
             </a:fld>
             <a:endParaRPr lang="en-US"/>
           </a:p>
@@ -674,7 +674,7 @@
           <a:p>
             <a:fld id="{CFFA1A03-D604-49D0-8A7E-93D80481DC6E}" type="datetimeFigureOut">
               <a:rPr lang="en-US" smtClean="0"/>
-              <a:t>7/30/2020</a:t>
+              <a:t>8/3/2020</a:t>
             </a:fld>
             <a:endParaRPr lang="en-US"/>
           </a:p>
@@ -872,7 +872,7 @@
           <a:p>
             <a:fld id="{CFFA1A03-D604-49D0-8A7E-93D80481DC6E}" type="datetimeFigureOut">
               <a:rPr lang="en-US" smtClean="0"/>
-              <a:t>7/30/2020</a:t>
+              <a:t>8/3/2020</a:t>
             </a:fld>
             <a:endParaRPr lang="en-US"/>
           </a:p>
@@ -1147,7 +1147,7 @@
           <a:p>
             <a:fld id="{CFFA1A03-D604-49D0-8A7E-93D80481DC6E}" type="datetimeFigureOut">
               <a:rPr lang="en-US" smtClean="0"/>
-              <a:t>7/30/2020</a:t>
+              <a:t>8/3/2020</a:t>
             </a:fld>
             <a:endParaRPr lang="en-US"/>
           </a:p>
@@ -1412,7 +1412,7 @@
           <a:p>
             <a:fld id="{CFFA1A03-D604-49D0-8A7E-93D80481DC6E}" type="datetimeFigureOut">
               <a:rPr lang="en-US" smtClean="0"/>
-              <a:t>7/30/2020</a:t>
+              <a:t>8/3/2020</a:t>
             </a:fld>
             <a:endParaRPr lang="en-US"/>
           </a:p>
@@ -1824,7 +1824,7 @@
           <a:p>
             <a:fld id="{CFFA1A03-D604-49D0-8A7E-93D80481DC6E}" type="datetimeFigureOut">
               <a:rPr lang="en-US" smtClean="0"/>
-              <a:t>7/30/2020</a:t>
+              <a:t>8/3/2020</a:t>
             </a:fld>
             <a:endParaRPr lang="en-US"/>
           </a:p>
@@ -1965,7 +1965,7 @@
           <a:p>
             <a:fld id="{CFFA1A03-D604-49D0-8A7E-93D80481DC6E}" type="datetimeFigureOut">
               <a:rPr lang="en-US" smtClean="0"/>
-              <a:t>7/30/2020</a:t>
+              <a:t>8/3/2020</a:t>
             </a:fld>
             <a:endParaRPr lang="en-US"/>
           </a:p>
@@ -2078,7 +2078,7 @@
           <a:p>
             <a:fld id="{CFFA1A03-D604-49D0-8A7E-93D80481DC6E}" type="datetimeFigureOut">
               <a:rPr lang="en-US" smtClean="0"/>
-              <a:t>7/30/2020</a:t>
+              <a:t>8/3/2020</a:t>
             </a:fld>
             <a:endParaRPr lang="en-US"/>
           </a:p>
@@ -2389,7 +2389,7 @@
           <a:p>
             <a:fld id="{CFFA1A03-D604-49D0-8A7E-93D80481DC6E}" type="datetimeFigureOut">
               <a:rPr lang="en-US" smtClean="0"/>
-              <a:t>7/30/2020</a:t>
+              <a:t>8/3/2020</a:t>
             </a:fld>
             <a:endParaRPr lang="en-US"/>
           </a:p>
@@ -2677,7 +2677,7 @@
           <a:p>
             <a:fld id="{CFFA1A03-D604-49D0-8A7E-93D80481DC6E}" type="datetimeFigureOut">
               <a:rPr lang="en-US" smtClean="0"/>
-              <a:t>7/30/2020</a:t>
+              <a:t>8/3/2020</a:t>
             </a:fld>
             <a:endParaRPr lang="en-US"/>
           </a:p>
@@ -2918,7 +2918,7 @@
           <a:p>
             <a:fld id="{CFFA1A03-D604-49D0-8A7E-93D80481DC6E}" type="datetimeFigureOut">
               <a:rPr lang="en-US" smtClean="0"/>
-              <a:t>7/30/2020</a:t>
+              <a:t>8/3/2020</a:t>
             </a:fld>
             <a:endParaRPr lang="en-US"/>
           </a:p>
@@ -3810,8 +3810,12 @@
               <a:buChar char="•"/>
             </a:pPr>
             <a:r>
+              <a:rPr lang="fr-FR" dirty="0"/>
+              <a:t>Apache Cassandra 2.1</a:t>
+            </a:r>
+            <a:r>
               <a:rPr lang="en-US" dirty="0"/>
-              <a:t>Redis 4.0.9 , Single Node Instance </a:t>
+              <a:t> , Single Node Instance </a:t>
             </a:r>
           </a:p>
           <a:p>
@@ -3861,13 +3865,13 @@
                   <a:srgbClr val="C00000"/>
                 </a:solidFill>
               </a:rPr>
-              <a:t>Throughput Test</a:t>
+              <a:t>Performance Test</a:t>
             </a:r>
           </a:p>
           <a:p>
             <a:r>
               <a:rPr lang="en-US" sz="2000" dirty="0"/>
-              <a:t>Finished performance test with 1090000 workflow instances, with an average time of 25.16 seconds for a batch of 5000 workflow instances. See corresponding Log file, containing all parameters.</a:t>
+              <a:t>Finished performance test with 1090000 workflow instances, with an average time of 94 milli seconds for a batch of 5000 workflow instances. See corresponding Log file, containing all parameters.</a:t>
             </a:r>
             <a:endParaRPr lang="en-US" sz="2000" b="1" dirty="0"/>
           </a:p>
@@ -3895,7 +3899,7 @@
           <a:graphicData uri="http://schemas.openxmlformats.org/presentationml/2006/ole">
             <mc:AlternateContent xmlns:mc="http://schemas.openxmlformats.org/markup-compatibility/2006">
               <mc:Choice xmlns:v="urn:schemas-microsoft-com:vml" Requires="v">
-                <p:oleObj spid="_x0000_s1040" name="Wordpad Document" r:id="rId3" imgW="3657600" imgH="181440" progId="WordPad.Document.1">
+                <p:oleObj spid="_x0000_s1068" name="Wordpad Document" r:id="rId3" imgW="3657600" imgH="181440" progId="WordPad.Document.1">
                   <p:embed/>
                 </p:oleObj>
               </mc:Choice>
@@ -3977,7 +3981,7 @@
           <p:nvPr>
             <p:extLst>
               <p:ext uri="{D42A27DB-BD31-4B8C-83A1-F6EECF244321}">
-                <p14:modId xmlns:p14="http://schemas.microsoft.com/office/powerpoint/2010/main" val="166679350"/>
+                <p14:modId xmlns:p14="http://schemas.microsoft.com/office/powerpoint/2010/main" val="843928957"/>
               </p:ext>
             </p:extLst>
           </p:nvPr>
@@ -3990,7 +3994,7 @@
           <a:graphicData uri="http://schemas.openxmlformats.org/presentationml/2006/ole">
             <mc:AlternateContent xmlns:mc="http://schemas.openxmlformats.org/markup-compatibility/2006">
               <mc:Choice xmlns:v="urn:schemas-microsoft-com:vml" Requires="v">
-                <p:oleObj spid="_x0000_s1041" name="Packager Shell Object" showAsIcon="1" r:id="rId5" imgW="1186920" imgH="442800" progId="Package">
+                <p:oleObj spid="_x0000_s1069" name="Packager Shell Object" showAsIcon="1" r:id="rId5" imgW="1186920" imgH="442800" progId="Package">
                   <p:embed/>
                 </p:oleObj>
               </mc:Choice>
